--- a/PPT/lab3.pptx
+++ b/PPT/lab3.pptx
@@ -5,28 +5,28 @@
     <p:sldMasterId id="2147483648" r:id="rId1"/>
   </p:sldMasterIdLst>
   <p:notesMasterIdLst>
-    <p:notesMasterId r:id="rId11"/>
+    <p:notesMasterId r:id="rId16"/>
   </p:notesMasterIdLst>
   <p:sldIdLst>
-    <p:sldId id="256" r:id="rId3"/>
-    <p:sldId id="257" r:id="rId4"/>
-    <p:sldId id="259" r:id="rId5"/>
-    <p:sldId id="258" r:id="rId6"/>
-    <p:sldId id="260" r:id="rId7"/>
-    <p:sldId id="261" r:id="rId8"/>
-    <p:sldId id="262" r:id="rId9"/>
-    <p:sldId id="263" r:id="rId10"/>
-    <p:sldId id="269" r:id="rId12"/>
-    <p:sldId id="264" r:id="rId13"/>
-    <p:sldId id="267" r:id="rId14"/>
-    <p:sldId id="265" r:id="rId15"/>
-    <p:sldId id="266" r:id="rId16"/>
-    <p:sldId id="268" r:id="rId17"/>
+    <p:sldId id="256" r:id="rId2"/>
+    <p:sldId id="257" r:id="rId3"/>
+    <p:sldId id="259" r:id="rId4"/>
+    <p:sldId id="258" r:id="rId5"/>
+    <p:sldId id="260" r:id="rId6"/>
+    <p:sldId id="261" r:id="rId7"/>
+    <p:sldId id="262" r:id="rId8"/>
+    <p:sldId id="263" r:id="rId9"/>
+    <p:sldId id="269" r:id="rId10"/>
+    <p:sldId id="264" r:id="rId11"/>
+    <p:sldId id="267" r:id="rId12"/>
+    <p:sldId id="265" r:id="rId13"/>
+    <p:sldId id="266" r:id="rId14"/>
+    <p:sldId id="268" r:id="rId15"/>
   </p:sldIdLst>
   <p:sldSz cx="12192000" cy="6858000"/>
   <p:notesSz cx="6858000" cy="9144000"/>
   <p:custDataLst>
-    <p:tags r:id="rId21"/>
+    <p:tags r:id="rId17"/>
   </p:custDataLst>
   <p:defaultTextStyle>
     <a:defPPr>
@@ -146,6 +146,9 @@
         </p14:section>
       </p14:sectionLst>
     </p:ext>
+    <p:ext uri="{EFAFB233-063F-42B5-8137-9DF3F51BA10A}">
+      <p15:sldGuideLst xmlns:p15="http://schemas.microsoft.com/office/powerpoint/2012/main"/>
+    </p:ext>
   </p:extLst>
 </p:presentation>
 </file>
@@ -232,6 +235,7 @@
           <a:p>
             <a:fld id="{917ADB4B-5ECA-495A-A66D-1A58825AFEBB}" type="datetimeFigureOut">
               <a:rPr lang="zh-CN" altLang="en-US" smtClean="0"/>
+              <a:t>2023/6/14</a:t>
             </a:fld>
             <a:endParaRPr lang="zh-CN" altLang="en-US"/>
           </a:p>
@@ -298,7 +302,6 @@
               <a:rPr lang="zh-CN" altLang="en-US"/>
               <a:t>编辑母版文本样式</a:t>
             </a:r>
-            <a:endParaRPr lang="zh-CN" altLang="en-US"/>
           </a:p>
           <a:p>
             <a:pPr lvl="1"/>
@@ -306,7 +309,6 @@
               <a:rPr lang="zh-CN" altLang="en-US"/>
               <a:t>第二级</a:t>
             </a:r>
-            <a:endParaRPr lang="zh-CN" altLang="en-US"/>
           </a:p>
           <a:p>
             <a:pPr lvl="2"/>
@@ -314,7 +316,6 @@
               <a:rPr lang="zh-CN" altLang="en-US"/>
               <a:t>第三级</a:t>
             </a:r>
-            <a:endParaRPr lang="zh-CN" altLang="en-US"/>
           </a:p>
           <a:p>
             <a:pPr lvl="3"/>
@@ -322,7 +323,6 @@
               <a:rPr lang="zh-CN" altLang="en-US"/>
               <a:t>第四级</a:t>
             </a:r>
-            <a:endParaRPr lang="zh-CN" altLang="en-US"/>
           </a:p>
           <a:p>
             <a:pPr lvl="4"/>
@@ -330,7 +330,6 @@
               <a:rPr lang="zh-CN" altLang="en-US"/>
               <a:t>第五级</a:t>
             </a:r>
-            <a:endParaRPr lang="zh-CN" altLang="en-US"/>
           </a:p>
         </p:txBody>
       </p:sp>
@@ -394,6 +393,7 @@
           <a:p>
             <a:fld id="{24B98733-89B7-4ADE-A76A-6148EBAB0AD0}" type="slidenum">
               <a:rPr lang="zh-CN" altLang="en-US" smtClean="0"/>
+              <a:t>‹#›</a:t>
             </a:fld>
             <a:endParaRPr lang="zh-CN" altLang="en-US"/>
           </a:p>
@@ -562,6 +562,7 @@
           <a:p>
             <a:fld id="{24B98733-89B7-4ADE-A76A-6148EBAB0AD0}" type="slidenum">
               <a:rPr lang="zh-CN" altLang="en-US" smtClean="0"/>
+              <a:t>8</a:t>
             </a:fld>
             <a:endParaRPr lang="zh-CN" altLang="en-US"/>
           </a:p>
@@ -654,7 +655,6 @@
               <a:rPr lang="zh-CN" altLang="en-US" dirty="0"/>
               <a:t>负责汇编的开头部分和全局变量的静态内存声明。</a:t>
             </a:r>
-            <a:endParaRPr lang="zh-CN" altLang="en-US" dirty="0"/>
           </a:p>
         </p:txBody>
       </p:sp>
@@ -675,6 +675,7 @@
           <a:p>
             <a:fld id="{24B98733-89B7-4ADE-A76A-6148EBAB0AD0}" type="slidenum">
               <a:rPr lang="zh-CN" altLang="en-US" smtClean="0"/>
+              <a:t>9</a:t>
             </a:fld>
             <a:endParaRPr lang="zh-CN" altLang="en-US"/>
           </a:p>
@@ -755,7 +756,6 @@
               <a:rPr lang="zh-CN" altLang="en-US" dirty="0"/>
               <a:t>这里的汇编显然是经过优化的，实际自己写没有那么简洁。</a:t>
             </a:r>
-            <a:endParaRPr lang="zh-CN" altLang="en-US" dirty="0"/>
           </a:p>
         </p:txBody>
       </p:sp>
@@ -776,6 +776,7 @@
           <a:p>
             <a:fld id="{24B98733-89B7-4ADE-A76A-6148EBAB0AD0}" type="slidenum">
               <a:rPr lang="zh-CN" altLang="en-US" smtClean="0"/>
+              <a:t>10</a:t>
             </a:fld>
             <a:endParaRPr lang="zh-CN" altLang="en-US"/>
           </a:p>
@@ -874,6 +875,7 @@
           <a:p>
             <a:fld id="{24B98733-89B7-4ADE-A76A-6148EBAB0AD0}" type="slidenum">
               <a:rPr lang="zh-CN" altLang="en-US" smtClean="0"/>
+              <a:t>11</a:t>
             </a:fld>
             <a:endParaRPr lang="zh-CN" altLang="en-US"/>
           </a:p>
@@ -935,7 +937,6 @@
               <a:rPr lang="zh-CN" altLang="en-US" dirty="0"/>
               <a:t>书上第九章的有点复杂。涉及是否活跃、分配和回收啥的。</a:t>
             </a:r>
-            <a:endParaRPr lang="zh-CN" altLang="en-US" dirty="0"/>
           </a:p>
         </p:txBody>
       </p:sp>
@@ -956,6 +957,7 @@
           <a:p>
             <a:fld id="{24B98733-89B7-4ADE-A76A-6148EBAB0AD0}" type="slidenum">
               <a:rPr lang="zh-CN" altLang="en-US" smtClean="0"/>
+              <a:t>12</a:t>
             </a:fld>
             <a:endParaRPr lang="zh-CN" altLang="en-US"/>
           </a:p>
@@ -1024,7 +1026,6 @@
               <a:rPr lang="zh-CN" altLang="en-US" dirty="0"/>
               <a:t>直接输出样例汇编的问题，提醒一下大家。</a:t>
             </a:r>
-            <a:endParaRPr lang="zh-CN" altLang="en-US" dirty="0"/>
           </a:p>
         </p:txBody>
       </p:sp>
@@ -1045,6 +1046,7 @@
           <a:p>
             <a:fld id="{24B98733-89B7-4ADE-A76A-6148EBAB0AD0}" type="slidenum">
               <a:rPr lang="zh-CN" altLang="en-US" smtClean="0"/>
+              <a:t>13</a:t>
             </a:fld>
             <a:endParaRPr lang="zh-CN" altLang="en-US"/>
           </a:p>
@@ -1103,7 +1105,6 @@
               <a:rPr lang="zh-CN" altLang="en-US"/>
               <a:t>单击此处编辑母版标题样式</a:t>
             </a:r>
-            <a:endParaRPr lang="zh-CN" altLang="en-US"/>
           </a:p>
         </p:txBody>
       </p:sp>
@@ -1168,7 +1169,6 @@
               <a:rPr lang="zh-CN" altLang="en-US"/>
               <a:t>单击此处编辑母版副标题样式</a:t>
             </a:r>
-            <a:endParaRPr lang="zh-CN" altLang="en-US"/>
           </a:p>
         </p:txBody>
       </p:sp>
@@ -1189,6 +1189,7 @@
           <a:p>
             <a:fld id="{E6D6EE5F-1ED6-42CE-A6F0-83D3C4E70629}" type="datetimeFigureOut">
               <a:rPr lang="zh-CN" altLang="en-US" smtClean="0"/>
+              <a:t>2023/6/14</a:t>
             </a:fld>
             <a:endParaRPr lang="zh-CN" altLang="en-US"/>
           </a:p>
@@ -1230,6 +1231,7 @@
           <a:p>
             <a:fld id="{8DBCC8D2-BE44-471E-B732-8308CC9BE9C4}" type="slidenum">
               <a:rPr lang="zh-CN" altLang="en-US" smtClean="0"/>
+              <a:t>‹#›</a:t>
             </a:fld>
             <a:endParaRPr lang="zh-CN" altLang="en-US"/>
           </a:p>
@@ -1279,7 +1281,6 @@
               <a:rPr lang="zh-CN" altLang="en-US"/>
               <a:t>单击此处编辑母版标题样式</a:t>
             </a:r>
-            <a:endParaRPr lang="zh-CN" altLang="en-US"/>
           </a:p>
         </p:txBody>
       </p:sp>
@@ -1303,7 +1304,6 @@
               <a:rPr lang="zh-CN" altLang="en-US"/>
               <a:t>编辑母版文本样式</a:t>
             </a:r>
-            <a:endParaRPr lang="zh-CN" altLang="en-US"/>
           </a:p>
           <a:p>
             <a:pPr lvl="1"/>
@@ -1311,7 +1311,6 @@
               <a:rPr lang="zh-CN" altLang="en-US"/>
               <a:t>第二级</a:t>
             </a:r>
-            <a:endParaRPr lang="zh-CN" altLang="en-US"/>
           </a:p>
           <a:p>
             <a:pPr lvl="2"/>
@@ -1319,7 +1318,6 @@
               <a:rPr lang="zh-CN" altLang="en-US"/>
               <a:t>第三级</a:t>
             </a:r>
-            <a:endParaRPr lang="zh-CN" altLang="en-US"/>
           </a:p>
           <a:p>
             <a:pPr lvl="3"/>
@@ -1327,7 +1325,6 @@
               <a:rPr lang="zh-CN" altLang="en-US"/>
               <a:t>第四级</a:t>
             </a:r>
-            <a:endParaRPr lang="zh-CN" altLang="en-US"/>
           </a:p>
           <a:p>
             <a:pPr lvl="4"/>
@@ -1335,7 +1332,6 @@
               <a:rPr lang="zh-CN" altLang="en-US"/>
               <a:t>第五级</a:t>
             </a:r>
-            <a:endParaRPr lang="zh-CN" altLang="en-US"/>
           </a:p>
         </p:txBody>
       </p:sp>
@@ -1356,6 +1352,7 @@
           <a:p>
             <a:fld id="{E6D6EE5F-1ED6-42CE-A6F0-83D3C4E70629}" type="datetimeFigureOut">
               <a:rPr lang="zh-CN" altLang="en-US" smtClean="0"/>
+              <a:t>2023/6/14</a:t>
             </a:fld>
             <a:endParaRPr lang="zh-CN" altLang="en-US"/>
           </a:p>
@@ -1397,6 +1394,7 @@
           <a:p>
             <a:fld id="{8DBCC8D2-BE44-471E-B732-8308CC9BE9C4}" type="slidenum">
               <a:rPr lang="zh-CN" altLang="en-US" smtClean="0"/>
+              <a:t>‹#›</a:t>
             </a:fld>
             <a:endParaRPr lang="zh-CN" altLang="en-US"/>
           </a:p>
@@ -1451,7 +1449,6 @@
               <a:rPr lang="zh-CN" altLang="en-US"/>
               <a:t>单击此处编辑母版标题样式</a:t>
             </a:r>
-            <a:endParaRPr lang="zh-CN" altLang="en-US"/>
           </a:p>
         </p:txBody>
       </p:sp>
@@ -1480,7 +1477,6 @@
               <a:rPr lang="zh-CN" altLang="en-US"/>
               <a:t>编辑母版文本样式</a:t>
             </a:r>
-            <a:endParaRPr lang="zh-CN" altLang="en-US"/>
           </a:p>
           <a:p>
             <a:pPr lvl="1"/>
@@ -1488,7 +1484,6 @@
               <a:rPr lang="zh-CN" altLang="en-US"/>
               <a:t>第二级</a:t>
             </a:r>
-            <a:endParaRPr lang="zh-CN" altLang="en-US"/>
           </a:p>
           <a:p>
             <a:pPr lvl="2"/>
@@ -1496,7 +1491,6 @@
               <a:rPr lang="zh-CN" altLang="en-US"/>
               <a:t>第三级</a:t>
             </a:r>
-            <a:endParaRPr lang="zh-CN" altLang="en-US"/>
           </a:p>
           <a:p>
             <a:pPr lvl="3"/>
@@ -1504,7 +1498,6 @@
               <a:rPr lang="zh-CN" altLang="en-US"/>
               <a:t>第四级</a:t>
             </a:r>
-            <a:endParaRPr lang="zh-CN" altLang="en-US"/>
           </a:p>
           <a:p>
             <a:pPr lvl="4"/>
@@ -1512,7 +1505,6 @@
               <a:rPr lang="zh-CN" altLang="en-US"/>
               <a:t>第五级</a:t>
             </a:r>
-            <a:endParaRPr lang="zh-CN" altLang="en-US"/>
           </a:p>
         </p:txBody>
       </p:sp>
@@ -1533,6 +1525,7 @@
           <a:p>
             <a:fld id="{E6D6EE5F-1ED6-42CE-A6F0-83D3C4E70629}" type="datetimeFigureOut">
               <a:rPr lang="zh-CN" altLang="en-US" smtClean="0"/>
+              <a:t>2023/6/14</a:t>
             </a:fld>
             <a:endParaRPr lang="zh-CN" altLang="en-US"/>
           </a:p>
@@ -1574,6 +1567,7 @@
           <a:p>
             <a:fld id="{8DBCC8D2-BE44-471E-B732-8308CC9BE9C4}" type="slidenum">
               <a:rPr lang="zh-CN" altLang="en-US" smtClean="0"/>
+              <a:t>‹#›</a:t>
             </a:fld>
             <a:endParaRPr lang="zh-CN" altLang="en-US"/>
           </a:p>
@@ -1623,7 +1617,6 @@
               <a:rPr lang="zh-CN" altLang="en-US"/>
               <a:t>单击此处编辑母版标题样式</a:t>
             </a:r>
-            <a:endParaRPr lang="zh-CN" altLang="en-US"/>
           </a:p>
         </p:txBody>
       </p:sp>
@@ -1647,7 +1640,6 @@
               <a:rPr lang="zh-CN" altLang="en-US"/>
               <a:t>编辑母版文本样式</a:t>
             </a:r>
-            <a:endParaRPr lang="zh-CN" altLang="en-US"/>
           </a:p>
           <a:p>
             <a:pPr lvl="1"/>
@@ -1655,7 +1647,6 @@
               <a:rPr lang="zh-CN" altLang="en-US"/>
               <a:t>第二级</a:t>
             </a:r>
-            <a:endParaRPr lang="zh-CN" altLang="en-US"/>
           </a:p>
           <a:p>
             <a:pPr lvl="2"/>
@@ -1663,7 +1654,6 @@
               <a:rPr lang="zh-CN" altLang="en-US"/>
               <a:t>第三级</a:t>
             </a:r>
-            <a:endParaRPr lang="zh-CN" altLang="en-US"/>
           </a:p>
           <a:p>
             <a:pPr lvl="3"/>
@@ -1671,7 +1661,6 @@
               <a:rPr lang="zh-CN" altLang="en-US"/>
               <a:t>第四级</a:t>
             </a:r>
-            <a:endParaRPr lang="zh-CN" altLang="en-US"/>
           </a:p>
           <a:p>
             <a:pPr lvl="4"/>
@@ -1679,7 +1668,6 @@
               <a:rPr lang="zh-CN" altLang="en-US"/>
               <a:t>第五级</a:t>
             </a:r>
-            <a:endParaRPr lang="zh-CN" altLang="en-US"/>
           </a:p>
         </p:txBody>
       </p:sp>
@@ -1700,6 +1688,7 @@
           <a:p>
             <a:fld id="{E6D6EE5F-1ED6-42CE-A6F0-83D3C4E70629}" type="datetimeFigureOut">
               <a:rPr lang="zh-CN" altLang="en-US" smtClean="0"/>
+              <a:t>2023/6/14</a:t>
             </a:fld>
             <a:endParaRPr lang="zh-CN" altLang="en-US"/>
           </a:p>
@@ -1741,6 +1730,7 @@
           <a:p>
             <a:fld id="{8DBCC8D2-BE44-471E-B732-8308CC9BE9C4}" type="slidenum">
               <a:rPr lang="zh-CN" altLang="en-US" smtClean="0"/>
+              <a:t>‹#›</a:t>
             </a:fld>
             <a:endParaRPr lang="zh-CN" altLang="en-US"/>
           </a:p>
@@ -1799,7 +1789,6 @@
               <a:rPr lang="zh-CN" altLang="en-US"/>
               <a:t>单击此处编辑母版标题样式</a:t>
             </a:r>
-            <a:endParaRPr lang="zh-CN" altLang="en-US"/>
           </a:p>
         </p:txBody>
       </p:sp>
@@ -1919,7 +1908,6 @@
               <a:rPr lang="zh-CN" altLang="en-US"/>
               <a:t>编辑母版文本样式</a:t>
             </a:r>
-            <a:endParaRPr lang="zh-CN" altLang="en-US"/>
           </a:p>
         </p:txBody>
       </p:sp>
@@ -1940,6 +1928,7 @@
           <a:p>
             <a:fld id="{E6D6EE5F-1ED6-42CE-A6F0-83D3C4E70629}" type="datetimeFigureOut">
               <a:rPr lang="zh-CN" altLang="en-US" smtClean="0"/>
+              <a:t>2023/6/14</a:t>
             </a:fld>
             <a:endParaRPr lang="zh-CN" altLang="en-US"/>
           </a:p>
@@ -1981,6 +1970,7 @@
           <a:p>
             <a:fld id="{8DBCC8D2-BE44-471E-B732-8308CC9BE9C4}" type="slidenum">
               <a:rPr lang="zh-CN" altLang="en-US" smtClean="0"/>
+              <a:t>‹#›</a:t>
             </a:fld>
             <a:endParaRPr lang="zh-CN" altLang="en-US"/>
           </a:p>
@@ -2030,7 +2020,6 @@
               <a:rPr lang="zh-CN" altLang="en-US"/>
               <a:t>单击此处编辑母版标题样式</a:t>
             </a:r>
-            <a:endParaRPr lang="zh-CN" altLang="en-US"/>
           </a:p>
         </p:txBody>
       </p:sp>
@@ -2059,7 +2048,6 @@
               <a:rPr lang="zh-CN" altLang="en-US"/>
               <a:t>编辑母版文本样式</a:t>
             </a:r>
-            <a:endParaRPr lang="zh-CN" altLang="en-US"/>
           </a:p>
           <a:p>
             <a:pPr lvl="1"/>
@@ -2067,7 +2055,6 @@
               <a:rPr lang="zh-CN" altLang="en-US"/>
               <a:t>第二级</a:t>
             </a:r>
-            <a:endParaRPr lang="zh-CN" altLang="en-US"/>
           </a:p>
           <a:p>
             <a:pPr lvl="2"/>
@@ -2075,7 +2062,6 @@
               <a:rPr lang="zh-CN" altLang="en-US"/>
               <a:t>第三级</a:t>
             </a:r>
-            <a:endParaRPr lang="zh-CN" altLang="en-US"/>
           </a:p>
           <a:p>
             <a:pPr lvl="3"/>
@@ -2083,7 +2069,6 @@
               <a:rPr lang="zh-CN" altLang="en-US"/>
               <a:t>第四级</a:t>
             </a:r>
-            <a:endParaRPr lang="zh-CN" altLang="en-US"/>
           </a:p>
           <a:p>
             <a:pPr lvl="4"/>
@@ -2091,7 +2076,6 @@
               <a:rPr lang="zh-CN" altLang="en-US"/>
               <a:t>第五级</a:t>
             </a:r>
-            <a:endParaRPr lang="zh-CN" altLang="en-US"/>
           </a:p>
         </p:txBody>
       </p:sp>
@@ -2120,7 +2104,6 @@
               <a:rPr lang="zh-CN" altLang="en-US"/>
               <a:t>编辑母版文本样式</a:t>
             </a:r>
-            <a:endParaRPr lang="zh-CN" altLang="en-US"/>
           </a:p>
           <a:p>
             <a:pPr lvl="1"/>
@@ -2128,7 +2111,6 @@
               <a:rPr lang="zh-CN" altLang="en-US"/>
               <a:t>第二级</a:t>
             </a:r>
-            <a:endParaRPr lang="zh-CN" altLang="en-US"/>
           </a:p>
           <a:p>
             <a:pPr lvl="2"/>
@@ -2136,7 +2118,6 @@
               <a:rPr lang="zh-CN" altLang="en-US"/>
               <a:t>第三级</a:t>
             </a:r>
-            <a:endParaRPr lang="zh-CN" altLang="en-US"/>
           </a:p>
           <a:p>
             <a:pPr lvl="3"/>
@@ -2144,7 +2125,6 @@
               <a:rPr lang="zh-CN" altLang="en-US"/>
               <a:t>第四级</a:t>
             </a:r>
-            <a:endParaRPr lang="zh-CN" altLang="en-US"/>
           </a:p>
           <a:p>
             <a:pPr lvl="4"/>
@@ -2152,7 +2132,6 @@
               <a:rPr lang="zh-CN" altLang="en-US"/>
               <a:t>第五级</a:t>
             </a:r>
-            <a:endParaRPr lang="zh-CN" altLang="en-US"/>
           </a:p>
         </p:txBody>
       </p:sp>
@@ -2173,6 +2152,7 @@
           <a:p>
             <a:fld id="{E6D6EE5F-1ED6-42CE-A6F0-83D3C4E70629}" type="datetimeFigureOut">
               <a:rPr lang="zh-CN" altLang="en-US" smtClean="0"/>
+              <a:t>2023/6/14</a:t>
             </a:fld>
             <a:endParaRPr lang="zh-CN" altLang="en-US"/>
           </a:p>
@@ -2214,6 +2194,7 @@
           <a:p>
             <a:fld id="{8DBCC8D2-BE44-471E-B732-8308CC9BE9C4}" type="slidenum">
               <a:rPr lang="zh-CN" altLang="en-US" smtClean="0"/>
+              <a:t>‹#›</a:t>
             </a:fld>
             <a:endParaRPr lang="zh-CN" altLang="en-US"/>
           </a:p>
@@ -2268,7 +2249,6 @@
               <a:rPr lang="zh-CN" altLang="en-US"/>
               <a:t>单击此处编辑母版标题样式</a:t>
             </a:r>
-            <a:endParaRPr lang="zh-CN" altLang="en-US"/>
           </a:p>
         </p:txBody>
       </p:sp>
@@ -2334,7 +2314,6 @@
               <a:rPr lang="zh-CN" altLang="en-US"/>
               <a:t>编辑母版文本样式</a:t>
             </a:r>
-            <a:endParaRPr lang="zh-CN" altLang="en-US"/>
           </a:p>
         </p:txBody>
       </p:sp>
@@ -2363,7 +2342,6 @@
               <a:rPr lang="zh-CN" altLang="en-US"/>
               <a:t>编辑母版文本样式</a:t>
             </a:r>
-            <a:endParaRPr lang="zh-CN" altLang="en-US"/>
           </a:p>
           <a:p>
             <a:pPr lvl="1"/>
@@ -2371,7 +2349,6 @@
               <a:rPr lang="zh-CN" altLang="en-US"/>
               <a:t>第二级</a:t>
             </a:r>
-            <a:endParaRPr lang="zh-CN" altLang="en-US"/>
           </a:p>
           <a:p>
             <a:pPr lvl="2"/>
@@ -2379,7 +2356,6 @@
               <a:rPr lang="zh-CN" altLang="en-US"/>
               <a:t>第三级</a:t>
             </a:r>
-            <a:endParaRPr lang="zh-CN" altLang="en-US"/>
           </a:p>
           <a:p>
             <a:pPr lvl="3"/>
@@ -2387,7 +2363,6 @@
               <a:rPr lang="zh-CN" altLang="en-US"/>
               <a:t>第四级</a:t>
             </a:r>
-            <a:endParaRPr lang="zh-CN" altLang="en-US"/>
           </a:p>
           <a:p>
             <a:pPr lvl="4"/>
@@ -2395,7 +2370,6 @@
               <a:rPr lang="zh-CN" altLang="en-US"/>
               <a:t>第五级</a:t>
             </a:r>
-            <a:endParaRPr lang="zh-CN" altLang="en-US"/>
           </a:p>
         </p:txBody>
       </p:sp>
@@ -2461,7 +2435,6 @@
               <a:rPr lang="zh-CN" altLang="en-US"/>
               <a:t>编辑母版文本样式</a:t>
             </a:r>
-            <a:endParaRPr lang="zh-CN" altLang="en-US"/>
           </a:p>
         </p:txBody>
       </p:sp>
@@ -2490,7 +2463,6 @@
               <a:rPr lang="zh-CN" altLang="en-US"/>
               <a:t>编辑母版文本样式</a:t>
             </a:r>
-            <a:endParaRPr lang="zh-CN" altLang="en-US"/>
           </a:p>
           <a:p>
             <a:pPr lvl="1"/>
@@ -2498,7 +2470,6 @@
               <a:rPr lang="zh-CN" altLang="en-US"/>
               <a:t>第二级</a:t>
             </a:r>
-            <a:endParaRPr lang="zh-CN" altLang="en-US"/>
           </a:p>
           <a:p>
             <a:pPr lvl="2"/>
@@ -2506,7 +2477,6 @@
               <a:rPr lang="zh-CN" altLang="en-US"/>
               <a:t>第三级</a:t>
             </a:r>
-            <a:endParaRPr lang="zh-CN" altLang="en-US"/>
           </a:p>
           <a:p>
             <a:pPr lvl="3"/>
@@ -2514,7 +2484,6 @@
               <a:rPr lang="zh-CN" altLang="en-US"/>
               <a:t>第四级</a:t>
             </a:r>
-            <a:endParaRPr lang="zh-CN" altLang="en-US"/>
           </a:p>
           <a:p>
             <a:pPr lvl="4"/>
@@ -2522,7 +2491,6 @@
               <a:rPr lang="zh-CN" altLang="en-US"/>
               <a:t>第五级</a:t>
             </a:r>
-            <a:endParaRPr lang="zh-CN" altLang="en-US"/>
           </a:p>
         </p:txBody>
       </p:sp>
@@ -2543,6 +2511,7 @@
           <a:p>
             <a:fld id="{E6D6EE5F-1ED6-42CE-A6F0-83D3C4E70629}" type="datetimeFigureOut">
               <a:rPr lang="zh-CN" altLang="en-US" smtClean="0"/>
+              <a:t>2023/6/14</a:t>
             </a:fld>
             <a:endParaRPr lang="zh-CN" altLang="en-US"/>
           </a:p>
@@ -2584,6 +2553,7 @@
           <a:p>
             <a:fld id="{8DBCC8D2-BE44-471E-B732-8308CC9BE9C4}" type="slidenum">
               <a:rPr lang="zh-CN" altLang="en-US" smtClean="0"/>
+              <a:t>‹#›</a:t>
             </a:fld>
             <a:endParaRPr lang="zh-CN" altLang="en-US"/>
           </a:p>
@@ -2633,7 +2603,6 @@
               <a:rPr lang="zh-CN" altLang="en-US"/>
               <a:t>单击此处编辑母版标题样式</a:t>
             </a:r>
-            <a:endParaRPr lang="zh-CN" altLang="en-US"/>
           </a:p>
         </p:txBody>
       </p:sp>
@@ -2654,6 +2623,7 @@
           <a:p>
             <a:fld id="{E6D6EE5F-1ED6-42CE-A6F0-83D3C4E70629}" type="datetimeFigureOut">
               <a:rPr lang="zh-CN" altLang="en-US" smtClean="0"/>
+              <a:t>2023/6/14</a:t>
             </a:fld>
             <a:endParaRPr lang="zh-CN" altLang="en-US"/>
           </a:p>
@@ -2695,6 +2665,7 @@
           <a:p>
             <a:fld id="{8DBCC8D2-BE44-471E-B732-8308CC9BE9C4}" type="slidenum">
               <a:rPr lang="zh-CN" altLang="en-US" smtClean="0"/>
+              <a:t>‹#›</a:t>
             </a:fld>
             <a:endParaRPr lang="zh-CN" altLang="en-US"/>
           </a:p>
@@ -2742,6 +2713,7 @@
           <a:p>
             <a:fld id="{E6D6EE5F-1ED6-42CE-A6F0-83D3C4E70629}" type="datetimeFigureOut">
               <a:rPr lang="zh-CN" altLang="en-US" smtClean="0"/>
+              <a:t>2023/6/14</a:t>
             </a:fld>
             <a:endParaRPr lang="zh-CN" altLang="en-US"/>
           </a:p>
@@ -2783,6 +2755,7 @@
           <a:p>
             <a:fld id="{8DBCC8D2-BE44-471E-B732-8308CC9BE9C4}" type="slidenum">
               <a:rPr lang="zh-CN" altLang="en-US" smtClean="0"/>
+              <a:t>‹#›</a:t>
             </a:fld>
             <a:endParaRPr lang="zh-CN" altLang="en-US"/>
           </a:p>
@@ -2841,7 +2814,6 @@
               <a:rPr lang="zh-CN" altLang="en-US"/>
               <a:t>单击此处编辑母版标题样式</a:t>
             </a:r>
-            <a:endParaRPr lang="zh-CN" altLang="en-US"/>
           </a:p>
         </p:txBody>
       </p:sp>
@@ -2898,7 +2870,6 @@
               <a:rPr lang="zh-CN" altLang="en-US"/>
               <a:t>编辑母版文本样式</a:t>
             </a:r>
-            <a:endParaRPr lang="zh-CN" altLang="en-US"/>
           </a:p>
           <a:p>
             <a:pPr lvl="1"/>
@@ -2906,7 +2877,6 @@
               <a:rPr lang="zh-CN" altLang="en-US"/>
               <a:t>第二级</a:t>
             </a:r>
-            <a:endParaRPr lang="zh-CN" altLang="en-US"/>
           </a:p>
           <a:p>
             <a:pPr lvl="2"/>
@@ -2914,7 +2884,6 @@
               <a:rPr lang="zh-CN" altLang="en-US"/>
               <a:t>第三级</a:t>
             </a:r>
-            <a:endParaRPr lang="zh-CN" altLang="en-US"/>
           </a:p>
           <a:p>
             <a:pPr lvl="3"/>
@@ -2922,7 +2891,6 @@
               <a:rPr lang="zh-CN" altLang="en-US"/>
               <a:t>第四级</a:t>
             </a:r>
-            <a:endParaRPr lang="zh-CN" altLang="en-US"/>
           </a:p>
           <a:p>
             <a:pPr lvl="4"/>
@@ -2930,7 +2898,6 @@
               <a:rPr lang="zh-CN" altLang="en-US"/>
               <a:t>第五级</a:t>
             </a:r>
-            <a:endParaRPr lang="zh-CN" altLang="en-US"/>
           </a:p>
         </p:txBody>
       </p:sp>
@@ -2996,7 +2963,6 @@
               <a:rPr lang="zh-CN" altLang="en-US"/>
               <a:t>编辑母版文本样式</a:t>
             </a:r>
-            <a:endParaRPr lang="zh-CN" altLang="en-US"/>
           </a:p>
         </p:txBody>
       </p:sp>
@@ -3017,6 +2983,7 @@
           <a:p>
             <a:fld id="{E6D6EE5F-1ED6-42CE-A6F0-83D3C4E70629}" type="datetimeFigureOut">
               <a:rPr lang="zh-CN" altLang="en-US" smtClean="0"/>
+              <a:t>2023/6/14</a:t>
             </a:fld>
             <a:endParaRPr lang="zh-CN" altLang="en-US"/>
           </a:p>
@@ -3058,6 +3025,7 @@
           <a:p>
             <a:fld id="{8DBCC8D2-BE44-471E-B732-8308CC9BE9C4}" type="slidenum">
               <a:rPr lang="zh-CN" altLang="en-US" smtClean="0"/>
+              <a:t>‹#›</a:t>
             </a:fld>
             <a:endParaRPr lang="zh-CN" altLang="en-US"/>
           </a:p>
@@ -3116,7 +3084,6 @@
               <a:rPr lang="zh-CN" altLang="en-US"/>
               <a:t>单击此处编辑母版标题样式</a:t>
             </a:r>
-            <a:endParaRPr lang="zh-CN" altLang="en-US"/>
           </a:p>
         </p:txBody>
       </p:sp>
@@ -3243,7 +3210,6 @@
               <a:rPr lang="zh-CN" altLang="en-US"/>
               <a:t>编辑母版文本样式</a:t>
             </a:r>
-            <a:endParaRPr lang="zh-CN" altLang="en-US"/>
           </a:p>
         </p:txBody>
       </p:sp>
@@ -3264,6 +3230,7 @@
           <a:p>
             <a:fld id="{E6D6EE5F-1ED6-42CE-A6F0-83D3C4E70629}" type="datetimeFigureOut">
               <a:rPr lang="zh-CN" altLang="en-US" smtClean="0"/>
+              <a:t>2023/6/14</a:t>
             </a:fld>
             <a:endParaRPr lang="zh-CN" altLang="en-US"/>
           </a:p>
@@ -3305,6 +3272,7 @@
           <a:p>
             <a:fld id="{8DBCC8D2-BE44-471E-B732-8308CC9BE9C4}" type="slidenum">
               <a:rPr lang="zh-CN" altLang="en-US" smtClean="0"/>
+              <a:t>‹#›</a:t>
             </a:fld>
             <a:endParaRPr lang="zh-CN" altLang="en-US"/>
           </a:p>
@@ -3369,7 +3337,6 @@
               <a:rPr lang="zh-CN" altLang="en-US" dirty="0"/>
               <a:t>单击此处编辑母版标题样式</a:t>
             </a:r>
-            <a:endParaRPr lang="zh-CN" altLang="en-US" dirty="0"/>
           </a:p>
         </p:txBody>
       </p:sp>
@@ -3403,7 +3370,6 @@
               <a:rPr lang="zh-CN" altLang="en-US"/>
               <a:t>编辑母版文本样式</a:t>
             </a:r>
-            <a:endParaRPr lang="zh-CN" altLang="en-US"/>
           </a:p>
           <a:p>
             <a:pPr lvl="1"/>
@@ -3411,7 +3377,6 @@
               <a:rPr lang="zh-CN" altLang="en-US"/>
               <a:t>第二级</a:t>
             </a:r>
-            <a:endParaRPr lang="zh-CN" altLang="en-US"/>
           </a:p>
           <a:p>
             <a:pPr lvl="2"/>
@@ -3419,7 +3384,6 @@
               <a:rPr lang="zh-CN" altLang="en-US"/>
               <a:t>第三级</a:t>
             </a:r>
-            <a:endParaRPr lang="zh-CN" altLang="en-US"/>
           </a:p>
           <a:p>
             <a:pPr lvl="3"/>
@@ -3427,7 +3391,6 @@
               <a:rPr lang="zh-CN" altLang="en-US"/>
               <a:t>第四级</a:t>
             </a:r>
-            <a:endParaRPr lang="zh-CN" altLang="en-US"/>
           </a:p>
           <a:p>
             <a:pPr lvl="4"/>
@@ -3435,7 +3398,6 @@
               <a:rPr lang="zh-CN" altLang="en-US"/>
               <a:t>第五级</a:t>
             </a:r>
-            <a:endParaRPr lang="zh-CN" altLang="en-US"/>
           </a:p>
         </p:txBody>
       </p:sp>
@@ -3474,6 +3436,7 @@
           <a:p>
             <a:fld id="{E6D6EE5F-1ED6-42CE-A6F0-83D3C4E70629}" type="datetimeFigureOut">
               <a:rPr lang="zh-CN" altLang="en-US" smtClean="0"/>
+              <a:t>2023/6/14</a:t>
             </a:fld>
             <a:endParaRPr lang="zh-CN" altLang="en-US"/>
           </a:p>
@@ -3551,6 +3514,7 @@
           <a:p>
             <a:fld id="{8DBCC8D2-BE44-471E-B732-8308CC9BE9C4}" type="slidenum">
               <a:rPr lang="zh-CN" altLang="en-US" smtClean="0"/>
+              <a:t>‹#›</a:t>
             </a:fld>
             <a:endParaRPr lang="zh-CN" altLang="en-US"/>
           </a:p>
@@ -3909,7 +3873,6 @@
               <a:rPr lang="zh-CN" altLang="en-US" sz="6600" b="1" dirty="0"/>
               <a:t>目标代码的生成</a:t>
             </a:r>
-            <a:endParaRPr lang="zh-CN" altLang="en-US" sz="6600" b="1" dirty="0"/>
           </a:p>
         </p:txBody>
       </p:sp>
@@ -3937,7 +3900,6 @@
               <a:rPr lang="zh-CN" altLang="en-US" dirty="0"/>
               <a:t>助教：章俊文</a:t>
             </a:r>
-            <a:endParaRPr lang="zh-CN" altLang="en-US" dirty="0"/>
           </a:p>
         </p:txBody>
       </p:sp>
@@ -4002,7 +3964,7 @@
           <p:nvPr/>
         </p:nvPicPr>
         <p:blipFill rotWithShape="1">
-          <a:blip r:embed="rId1"/>
+          <a:blip r:embed="rId4"/>
           <a:srcRect t="33936" b="34685"/>
           <a:stretch>
             <a:fillRect/>
@@ -4027,7 +3989,7 @@
           <p:nvPr/>
         </p:nvPicPr>
         <p:blipFill>
-          <a:blip r:embed="rId2"/>
+          <a:blip r:embed="rId5"/>
           <a:stretch>
             <a:fillRect/>
           </a:stretch>
@@ -4051,7 +4013,7 @@
           <p:nvPr/>
         </p:nvPicPr>
         <p:blipFill>
-          <a:blip r:embed="rId3"/>
+          <a:blip r:embed="rId6"/>
           <a:stretch>
             <a:fillRect/>
           </a:stretch>
@@ -4074,12 +4036,12 @@
           </p:cNvPicPr>
           <p:nvPr>
             <p:custDataLst>
-              <p:tags r:id="rId4"/>
+              <p:tags r:id="rId1"/>
             </p:custDataLst>
           </p:nvPr>
         </p:nvPicPr>
         <p:blipFill>
-          <a:blip r:embed="rId5"/>
+          <a:blip r:embed="rId7"/>
           <a:stretch>
             <a:fillRect/>
           </a:stretch>
@@ -4155,7 +4117,7 @@
           <p:nvPr/>
         </p:nvPicPr>
         <p:blipFill>
-          <a:blip r:embed="rId1"/>
+          <a:blip r:embed="rId3"/>
           <a:stretch>
             <a:fillRect/>
           </a:stretch>
@@ -4179,7 +4141,7 @@
           <p:nvPr/>
         </p:nvPicPr>
         <p:blipFill>
-          <a:blip r:embed="rId2"/>
+          <a:blip r:embed="rId4"/>
           <a:stretch>
             <a:fillRect/>
           </a:stretch>
@@ -4238,7 +4200,6 @@
               <a:rPr lang="zh-CN" altLang="en-US" dirty="0"/>
               <a:t>寄存器分配</a:t>
             </a:r>
-            <a:endParaRPr lang="zh-CN" altLang="en-US" dirty="0"/>
           </a:p>
         </p:txBody>
       </p:sp>
@@ -4326,7 +4287,6 @@
               <a:rPr lang="zh-CN" altLang="en-US" dirty="0"/>
               <a:t>回去</a:t>
             </a:r>
-            <a:endParaRPr lang="zh-CN" altLang="en-US" dirty="0"/>
           </a:p>
         </p:txBody>
       </p:sp>
@@ -4339,7 +4299,7 @@
           <p:nvPr/>
         </p:nvPicPr>
         <p:blipFill>
-          <a:blip r:embed="rId1"/>
+          <a:blip r:embed="rId3"/>
           <a:stretch>
             <a:fillRect/>
           </a:stretch>
@@ -4398,7 +4358,6 @@
               <a:rPr lang="zh-CN" altLang="en-US" dirty="0"/>
               <a:t>其他</a:t>
             </a:r>
-            <a:endParaRPr lang="zh-CN" altLang="en-US" dirty="0"/>
           </a:p>
         </p:txBody>
       </p:sp>
@@ -4492,7 +4451,6 @@
               <a:rPr lang="zh-CN" altLang="en-US" sz="9600" dirty="0"/>
               <a:t>结 束</a:t>
             </a:r>
-            <a:endParaRPr lang="zh-CN" altLang="en-US" sz="9600" dirty="0"/>
           </a:p>
         </p:txBody>
       </p:sp>
@@ -4548,7 +4506,6 @@
               <a:rPr lang="zh-CN" altLang="en-US" b="1" dirty="0"/>
               <a:t>主要任务</a:t>
             </a:r>
-            <a:endParaRPr lang="zh-CN" altLang="en-US" b="1" dirty="0"/>
           </a:p>
         </p:txBody>
       </p:sp>
@@ -4561,7 +4518,7 @@
           <p:nvPr/>
         </p:nvPicPr>
         <p:blipFill>
-          <a:blip r:embed="rId1"/>
+          <a:blip r:embed="rId2"/>
           <a:stretch>
             <a:fillRect/>
           </a:stretch>
@@ -4585,7 +4542,7 @@
           <p:nvPr/>
         </p:nvPicPr>
         <p:blipFill>
-          <a:blip r:embed="rId2"/>
+          <a:blip r:embed="rId3"/>
           <a:stretch>
             <a:fillRect/>
           </a:stretch>
@@ -4609,7 +4566,7 @@
           <p:nvPr/>
         </p:nvPicPr>
         <p:blipFill>
-          <a:blip r:embed="rId3"/>
+          <a:blip r:embed="rId4"/>
           <a:stretch>
             <a:fillRect/>
           </a:stretch>
@@ -4742,7 +4699,7 @@
           <p:nvPr/>
         </p:nvPicPr>
         <p:blipFill>
-          <a:blip r:embed="rId1"/>
+          <a:blip r:embed="rId2"/>
           <a:stretch>
             <a:fillRect/>
           </a:stretch>
@@ -4776,7 +4733,6 @@
               <a:rPr lang="zh-CN" altLang="en-US" dirty="0"/>
               <a:t>存储管理（一般情况）</a:t>
             </a:r>
-            <a:endParaRPr lang="zh-CN" altLang="en-US" dirty="0"/>
           </a:p>
         </p:txBody>
       </p:sp>
@@ -4912,7 +4868,6 @@
               <a:rPr lang="en-US" altLang="zh-CN" dirty="0"/>
               <a:t>ra</a:t>
             </a:r>
-            <a:endParaRPr lang="en-US" altLang="zh-CN" dirty="0"/>
           </a:p>
           <a:p>
             <a:pPr marL="457200" lvl="1" indent="0">
@@ -4931,7 +4886,7 @@
           <p:nvPr/>
         </p:nvPicPr>
         <p:blipFill>
-          <a:blip r:embed="rId2"/>
+          <a:blip r:embed="rId3"/>
           <a:stretch>
             <a:fillRect/>
           </a:stretch>
@@ -5084,11 +5039,6 @@
               </a:rPr>
               <a:t>静态区</a:t>
             </a:r>
-            <a:endParaRPr lang="zh-CN" altLang="en-US" dirty="0">
-              <a:solidFill>
-                <a:srgbClr val="FF0000"/>
-              </a:solidFill>
-            </a:endParaRPr>
           </a:p>
         </p:txBody>
       </p:sp>
@@ -5130,11 +5080,6 @@
               </a:rPr>
               <a:t>栈</a:t>
             </a:r>
-            <a:endParaRPr lang="zh-CN" altLang="en-US" dirty="0">
-              <a:solidFill>
-                <a:srgbClr val="FF0000"/>
-              </a:solidFill>
-            </a:endParaRPr>
           </a:p>
         </p:txBody>
       </p:sp>
@@ -5147,7 +5092,7 @@
           <p:nvPr/>
         </p:nvPicPr>
         <p:blipFill>
-          <a:blip r:embed="rId3"/>
+          <a:blip r:embed="rId4"/>
           <a:stretch>
             <a:fillRect/>
           </a:stretch>
@@ -5222,7 +5167,6 @@
               <a:rPr lang="zh-CN" altLang="en-US" dirty="0"/>
               <a:t>指令相关</a:t>
             </a:r>
-            <a:endParaRPr lang="zh-CN" altLang="en-US" dirty="0"/>
           </a:p>
         </p:txBody>
       </p:sp>
@@ -5235,7 +5179,7 @@
           <p:nvPr/>
         </p:nvPicPr>
         <p:blipFill>
-          <a:blip r:embed="rId1"/>
+          <a:blip r:embed="rId2"/>
           <a:stretch>
             <a:fillRect/>
           </a:stretch>
@@ -5384,7 +5328,6 @@
               <a:rPr lang="zh-CN" altLang="en-US" dirty="0"/>
               <a:t>指令相关</a:t>
             </a:r>
-            <a:endParaRPr lang="zh-CN" altLang="en-US" dirty="0"/>
           </a:p>
         </p:txBody>
       </p:sp>
@@ -5397,7 +5340,7 @@
           <p:nvPr/>
         </p:nvPicPr>
         <p:blipFill>
-          <a:blip r:embed="rId1"/>
+          <a:blip r:embed="rId2"/>
           <a:stretch>
             <a:fillRect/>
           </a:stretch>
@@ -5438,7 +5381,6 @@
               <a:rPr lang="zh-CN" altLang="en-US" dirty="0"/>
               <a:t>待填，用到的时候自己查表</a:t>
             </a:r>
-            <a:endParaRPr lang="zh-CN" altLang="en-US" dirty="0"/>
           </a:p>
         </p:txBody>
       </p:sp>
@@ -5502,7 +5444,6 @@
               <a:rPr lang="zh-CN" altLang="en-US" dirty="0"/>
               <a:t>指令相关</a:t>
             </a:r>
-            <a:endParaRPr lang="zh-CN" altLang="en-US" dirty="0"/>
           </a:p>
         </p:txBody>
       </p:sp>
@@ -5515,7 +5456,7 @@
           <p:nvPr/>
         </p:nvPicPr>
         <p:blipFill>
-          <a:blip r:embed="rId1"/>
+          <a:blip r:embed="rId2"/>
           <a:stretch>
             <a:fillRect/>
           </a:stretch>
@@ -5539,7 +5480,7 @@
           <p:nvPr/>
         </p:nvPicPr>
         <p:blipFill>
-          <a:blip r:embed="rId2"/>
+          <a:blip r:embed="rId3"/>
           <a:stretch>
             <a:fillRect/>
           </a:stretch>
@@ -5592,7 +5533,6 @@
               <a:rPr lang="zh-CN" altLang="en-US" dirty="0"/>
               <a:t>指令</a:t>
             </a:r>
-            <a:endParaRPr lang="zh-CN" altLang="en-US" dirty="0"/>
           </a:p>
         </p:txBody>
       </p:sp>
@@ -5640,7 +5580,6 @@
               <a:rPr lang="zh-CN" altLang="en-US" dirty="0"/>
               <a:t>代码框架理解</a:t>
             </a:r>
-            <a:endParaRPr lang="zh-CN" altLang="en-US" dirty="0"/>
           </a:p>
         </p:txBody>
       </p:sp>
@@ -5653,7 +5592,7 @@
           <p:nvPr/>
         </p:nvPicPr>
         <p:blipFill>
-          <a:blip r:embed="rId1"/>
+          <a:blip r:embed="rId2"/>
           <a:stretch>
             <a:fillRect/>
           </a:stretch>
@@ -5694,7 +5633,6 @@
               <a:rPr lang="zh-CN" altLang="en-US" dirty="0"/>
               <a:t>用于函数体内局部变量的存储管理，也是栈上的内存管理</a:t>
             </a:r>
-            <a:endParaRPr lang="zh-CN" altLang="en-US" dirty="0"/>
           </a:p>
         </p:txBody>
       </p:sp>
@@ -5742,7 +5680,6 @@
               <a:rPr lang="zh-CN" altLang="en-US" dirty="0"/>
               <a:t>代码框架理解</a:t>
             </a:r>
-            <a:endParaRPr lang="zh-CN" altLang="en-US" dirty="0"/>
           </a:p>
         </p:txBody>
       </p:sp>
@@ -5755,7 +5692,7 @@
           <p:nvPr/>
         </p:nvPicPr>
         <p:blipFill>
-          <a:blip r:embed="rId1"/>
+          <a:blip r:embed="rId3"/>
           <a:stretch>
             <a:fillRect/>
           </a:stretch>
@@ -5796,7 +5733,6 @@
               <a:rPr lang="zh-CN" altLang="en-US" dirty="0"/>
               <a:t>寄存器管理：为新出现的变量分配寄存器；以及查询已出现变量所在的寄存器</a:t>
             </a:r>
-            <a:endParaRPr lang="zh-CN" altLang="en-US" dirty="0"/>
           </a:p>
         </p:txBody>
       </p:sp>
@@ -5861,7 +5797,7 @@
           <p:nvPr/>
         </p:nvPicPr>
         <p:blipFill>
-          <a:blip r:embed="rId1"/>
+          <a:blip r:embed="rId3"/>
           <a:stretch>
             <a:fillRect/>
           </a:stretch>
@@ -5885,7 +5821,7 @@
           <p:nvPr/>
         </p:nvPicPr>
         <p:blipFill>
-          <a:blip r:embed="rId2"/>
+          <a:blip r:embed="rId4"/>
           <a:stretch>
             <a:fillRect/>
           </a:stretch>
@@ -5955,7 +5891,7 @@
           <p:nvPr/>
         </p:nvPicPr>
         <p:blipFill>
-          <a:blip r:embed="rId3"/>
+          <a:blip r:embed="rId5"/>
           <a:stretch>
             <a:fillRect/>
           </a:stretch>
@@ -5979,15 +5915,15 @@
 </file>
 
 <file path=ppt/tags/tag1.xml><?xml version="1.0" encoding="utf-8"?>
-<p:tagLst xmlns:p="http://schemas.openxmlformats.org/presentationml/2006/main">
-  <p:tag name="KSO_WM_BEAUTIFY_FLAG" val=""/>
+<p:tagLst xmlns:a="http://schemas.openxmlformats.org/drawingml/2006/main" xmlns:r="http://schemas.openxmlformats.org/officeDocument/2006/relationships" xmlns:p="http://schemas.openxmlformats.org/presentationml/2006/main">
+  <p:tag name="KSO_WPP_MARK_KEY" val="37ceba6f-fac8-47f0-b669-697ff6d42265"/>
+  <p:tag name="COMMONDATA" val="eyJoZGlkIjoiNDZiNTNiNmM2NTU3M2M4MjYzNzk1NjlmYWJjOTY5Y2EifQ=="/>
 </p:tagLst>
 </file>
 
 <file path=ppt/tags/tag2.xml><?xml version="1.0" encoding="utf-8"?>
-<p:tagLst xmlns:p="http://schemas.openxmlformats.org/presentationml/2006/main">
-  <p:tag name="KSO_WPP_MARK_KEY" val="37ceba6f-fac8-47f0-b669-697ff6d42265"/>
-  <p:tag name="COMMONDATA" val="eyJoZGlkIjoiNDZiNTNiNmM2NTU3M2M4MjYzNzk1NjlmYWJjOTY5Y2EifQ=="/>
+<p:tagLst xmlns:a="http://schemas.openxmlformats.org/drawingml/2006/main" xmlns:r="http://schemas.openxmlformats.org/officeDocument/2006/relationships" xmlns:p="http://schemas.openxmlformats.org/presentationml/2006/main">
+  <p:tag name="KSO_WM_BEAUTIFY_FLAG" val=""/>
 </p:tagLst>
 </file>
 
@@ -6242,6 +6178,8 @@
       </a:bgFillStyleLst>
     </a:fmtScheme>
   </a:themeElements>
+  <a:objectDefaults/>
+  <a:extraClrSchemeLst/>
   <a:extLst>
     <a:ext uri="{05A4C25C-085E-4340-85A3-A5531E510DB2}">
       <thm15:themeFamily xmlns:thm15="http://schemas.microsoft.com/office/thememl/2012/main" name="Office Theme" id="{62F939B6-93AF-4DB8-9C6B-D6C7DFDC589F}" vid="{4A3C46E8-61CC-4603-A589-7422A47A8E4A}"/>
@@ -6501,6 +6439,8 @@
       </a:bgFillStyleLst>
     </a:fmtScheme>
   </a:themeElements>
+  <a:objectDefaults/>
+  <a:extraClrSchemeLst/>
   <a:extLst>
     <a:ext uri="{05A4C25C-085E-4340-85A3-A5531E510DB2}">
       <thm15:themeFamily xmlns:thm15="http://schemas.microsoft.com/office/thememl/2012/main" name="Office Theme" id="{62F939B6-93AF-4DB8-9C6B-D6C7DFDC589F}" vid="{4A3C46E8-61CC-4603-A589-7422A47A8E4A}"/>
